--- a/Infineon product Mind Map and Selection Tool.pptx
+++ b/Infineon product Mind Map and Selection Tool.pptx
@@ -8825,22 +8825,30 @@
           <a:lstStyle/>
           <a:p>
             <a:r>
+              <a:rPr lang="en-US" sz="2300" dirty="0"/>
+              <a:t>T</a:t>
+            </a:r>
+            <a:r>
+              <a:rPr lang="en-US" sz="2300" u="sng" dirty="0" smtClean="0"/>
+              <a:t>he tool is </a:t>
+            </a:r>
+            <a:r>
+              <a:rPr lang="en-US" sz="2300" u="sng" dirty="0"/>
+              <a:t>a</a:t>
+            </a:r>
+            <a:r>
+              <a:rPr lang="en-US" sz="2300" u="sng" dirty="0" smtClean="0"/>
+              <a:t> mind map which reflects structure and hierarchy of Infineon portfolio</a:t>
+            </a:r>
+            <a:r>
               <a:rPr lang="en-US" sz="2300" dirty="0" smtClean="0"/>
-              <a:t>First of all </a:t>
-            </a:r>
-            <a:r>
-              <a:rPr lang="en-US" sz="2300" u="sng" dirty="0" smtClean="0"/>
-              <a:t>the tool is a mind map reflecting structure and hierarchy of Infineon portfolio</a:t>
-            </a:r>
+              <a:t>. The mind map is created in popular mind mapping software called XMind.</a:t>
+            </a:r>
+          </a:p>
+          <a:p>
             <a:r>
               <a:rPr lang="en-US" sz="2300" dirty="0" smtClean="0"/>
-              <a:t>. The mind map was created in popular mind mapping software called XMind.</a:t>
-            </a:r>
-          </a:p>
-          <a:p>
-            <a:r>
-              <a:rPr lang="en-US" sz="2300" dirty="0" smtClean="0"/>
-              <a:t>XMind is very popular mind-mapping software. It has many different graphical possibilities for displaying the mind maps. For example </a:t>
+              <a:t>XMind is very popular mind-mapping software. It has many different graphical possibilities for displaying mind maps. For example </a:t>
             </a:r>
             <a:r>
               <a:rPr lang="en-US" sz="2300" dirty="0"/>
@@ -8848,15 +8856,7 @@
             </a:r>
             <a:r>
               <a:rPr lang="en-US" sz="2300" dirty="0" smtClean="0"/>
-              <a:t>t has so called “matrix” view which is a hybrid between usual table and mind map tree. </a:t>
-            </a:r>
-            <a:r>
-              <a:rPr lang="en-US" sz="2300" dirty="0"/>
-              <a:t>T</a:t>
-            </a:r>
-            <a:r>
-              <a:rPr lang="en-US" sz="2300" dirty="0" smtClean="0"/>
-              <a:t>urned that this view is very convenient for fast product selection.  </a:t>
+              <a:t>t has so called “matrix” view which is a hybrid between table and mind map tree. We found that this view is very convenient for fast product selection.  </a:t>
             </a:r>
           </a:p>
           <a:p>
@@ -8882,13 +8882,13 @@
           <a:p>
             <a:r>
               <a:rPr lang="en-US" sz="2300" dirty="0" smtClean="0"/>
-              <a:t>Infineon portfolio of &gt;10.000 parts is a huge piece of data for human mind. But it’s already have defined structure and can be logically presented in tree-like way. </a:t>
+              <a:t>Infineon portfolio of &gt;10.000 parts is a huge piece of data for human mind. Luckily it has defined structure and can be presented as multi-level selection tree or mind map. </a:t>
             </a:r>
           </a:p>
           <a:p>
             <a:r>
               <a:rPr lang="en-US" sz="2300" dirty="0" smtClean="0"/>
-              <a:t>The problem: This is very large mind map and we can’t draw it manually. Even if we did, every change of the portfolio would require manual work to update. On top of that, the mind map can be build in multiple ways from the same data depends on parameter order. The convenient mind map format depends on customer’s application. For instance in some application of MOSFETs we need </a:t>
+              <a:t>The problem: This is very large mind map and we can’t draw it manually. Even if we did, every change of the portfolio would require manual work to update. On top of that, the mind map can be build in multiple ways from the same data depends on parameters order. The convenient mind map format depends on customer’s application. For instance in some application of MOSFETs we need </a:t>
             </a:r>
             <a:r>
               <a:rPr lang="en-US" sz="2300" dirty="0" err="1" smtClean="0"/>
@@ -8946,7 +8946,7 @@
           <a:p>
             <a:r>
               <a:rPr lang="en-US" sz="2300" dirty="0" smtClean="0"/>
-              <a:t>Fortunately we don’t need to created the mind maps manually. I made software which takes the data from official Infineon website, processes it and build various versions of mind maps in a fraction of second. I can build new view and update existing with new data very quick and without manual work.</a:t>
+              <a:t>Fortunately we don’t need to created this mind maps manually. We made software which takes the data from the official Infineon website, processes it and build various versions of mind maps in a fraction of second. I can build new view and update existing with new data very quick and without manual work.</a:t>
             </a:r>
           </a:p>
           <a:p>
@@ -9106,11 +9106,7 @@
           <a:p>
             <a:r>
               <a:rPr lang="en-GB" dirty="0" smtClean="0"/>
-              <a:t>How</a:t>
-            </a:r>
-            <a:r>
-              <a:rPr lang="en-GB" dirty="0" smtClean="0"/>
-              <a:t> to run XMind?</a:t>
+              <a:t>How to run XMind?</a:t>
             </a:r>
             <a:endParaRPr lang="en-GB" dirty="0"/>
           </a:p>
@@ -9241,7 +9237,7 @@
             </a:r>
             <a:r>
               <a:rPr lang="en-US" dirty="0" smtClean="0"/>
-              <a:t>(zip)”. After downloading unzip to folder in convenient location (e.g. Desktop) and run by double click on Xmind.exe </a:t>
+              <a:t>(zip)”. After downloading unzip to folder in convenient location (e.g. Desktop) and run by double clicking on Xmind.exe </a:t>
             </a:r>
             <a:endParaRPr lang="en-GB" dirty="0" smtClean="0"/>
           </a:p>
@@ -9982,18 +9978,7 @@
                 <a:ea typeface="Verdana" pitchFamily="34" charset="0"/>
                 <a:cs typeface="Verdana" pitchFamily="34" charset="0"/>
               </a:rPr>
-              <a:t>Don’t worry about this. </a:t>
-            </a:r>
-            <a:r>
-              <a:rPr lang="en-US" sz="1050" kern="0" dirty="0" smtClean="0">
-                <a:solidFill>
-                  <a:srgbClr val="FF0000"/>
-                </a:solidFill>
-                <a:latin typeface="Verdana" pitchFamily="34" charset="0"/>
-                <a:ea typeface="Verdana" pitchFamily="34" charset="0"/>
-                <a:cs typeface="Verdana" pitchFamily="34" charset="0"/>
-              </a:rPr>
-              <a:t>Just click it.</a:t>
+              <a:t>Don’t worry about this. Just click it.</a:t>
             </a:r>
             <a:endParaRPr lang="ru-RU" sz="1050" kern="0" dirty="0" smtClean="0">
               <a:solidFill>
@@ -10873,7 +10858,7 @@
         </p:nvSpPr>
         <p:spPr bwMode="auto">
           <a:xfrm>
-            <a:off x="6858000" y="1217362"/>
+            <a:off x="6858000" y="1217363"/>
             <a:ext cx="1905000" cy="5001369"/>
           </a:xfrm>
           <a:prstGeom prst="rect">
@@ -10916,8 +10901,27 @@
                 <a:ea typeface="Verdana" pitchFamily="34" charset="0"/>
                 <a:cs typeface="Verdana" pitchFamily="34" charset="0"/>
               </a:rPr>
-              <a:t>Expand and collapse topics by clicking “+” to find best fit part for your application</a:t>
-            </a:r>
+              <a:t>Expand and collapse topics by clicking </a:t>
+            </a:r>
+            <a:r>
+              <a:rPr lang="en-US" sz="1050" kern="0" dirty="0">
+                <a:solidFill>
+                  <a:srgbClr val="FF0000"/>
+                </a:solidFill>
+                <a:latin typeface="Verdana" pitchFamily="34" charset="0"/>
+                <a:ea typeface="Verdana" pitchFamily="34" charset="0"/>
+                <a:cs typeface="Verdana" pitchFamily="34" charset="0"/>
+              </a:rPr>
+              <a:t>on ⊕ and ⊝</a:t>
+            </a:r>
+            <a:endParaRPr lang="en-US" sz="1050" kern="0" dirty="0" smtClean="0">
+              <a:solidFill>
+                <a:srgbClr val="FF0000"/>
+              </a:solidFill>
+              <a:latin typeface="Verdana" pitchFamily="34" charset="0"/>
+              <a:ea typeface="Verdana" pitchFamily="34" charset="0"/>
+              <a:cs typeface="Verdana" pitchFamily="34" charset="0"/>
+            </a:endParaRPr>
           </a:p>
           <a:p>
             <a:pPr marR="0" defTabSz="914400" eaLnBrk="0" fontAlgn="auto" latinLnBrk="0" hangingPunct="0">
@@ -10965,7 +10969,7 @@
                 <a:ea typeface="Verdana" pitchFamily="34" charset="0"/>
                 <a:cs typeface="Verdana" pitchFamily="34" charset="0"/>
               </a:rPr>
-              <a:t>There is hot keys as well:</a:t>
+              <a:t>There are hot keys:</a:t>
             </a:r>
           </a:p>
           <a:p>
@@ -10991,7 +10995,7 @@
                 <a:ea typeface="Verdana" pitchFamily="34" charset="0"/>
                 <a:cs typeface="Verdana" pitchFamily="34" charset="0"/>
               </a:rPr>
-              <a:t>“*” expand current topic and all his subtopics</a:t>
+              <a:t>“*” - expand current topic and all his subtopics,</a:t>
             </a:r>
           </a:p>
           <a:p>
@@ -11017,7 +11021,7 @@
                 <a:ea typeface="Verdana" pitchFamily="34" charset="0"/>
                 <a:cs typeface="Verdana" pitchFamily="34" charset="0"/>
               </a:rPr>
-              <a:t>“/” collapse current subtopic</a:t>
+              <a:t>“/” - collapse current subtopic</a:t>
             </a:r>
           </a:p>
           <a:p>
@@ -11115,29 +11119,7 @@
                 <a:ea typeface="Verdana" pitchFamily="34" charset="0"/>
                 <a:cs typeface="Verdana" pitchFamily="34" charset="0"/>
               </a:rPr>
-              <a:t>Note that anything what you do with </a:t>
-            </a:r>
-            <a:r>
-              <a:rPr lang="en-US" sz="1050" kern="0" dirty="0" smtClean="0">
-                <a:solidFill>
-                  <a:srgbClr val="FF0000"/>
-                </a:solidFill>
-                <a:latin typeface="Verdana" pitchFamily="34" charset="0"/>
-                <a:ea typeface="Verdana" pitchFamily="34" charset="0"/>
-                <a:cs typeface="Verdana" pitchFamily="34" charset="0"/>
-              </a:rPr>
-              <a:t>the </a:t>
-            </a:r>
-            <a:r>
-              <a:rPr lang="en-US" sz="1050" kern="0" dirty="0" smtClean="0">
-                <a:solidFill>
-                  <a:srgbClr val="FF0000"/>
-                </a:solidFill>
-                <a:latin typeface="Verdana" pitchFamily="34" charset="0"/>
-                <a:ea typeface="Verdana" pitchFamily="34" charset="0"/>
-                <a:cs typeface="Verdana" pitchFamily="34" charset="0"/>
-              </a:rPr>
-              <a:t>map (e.g. just expanding some topics) changes the file and XMIND want to save the changes. It will ask if you try to close the file. Just close without saving if you don’t need this changes</a:t>
+              <a:t>Note that anything what you do with the map (e.g. expanding some topics) changes the file and XMIND want to save the changes. It will ask if you try to close the file. Just close without saving if you don’t need this changes</a:t>
             </a:r>
           </a:p>
           <a:p>
@@ -11186,18 +11168,7 @@
                 <a:ea typeface="Verdana" pitchFamily="34" charset="0"/>
                 <a:cs typeface="Verdana" pitchFamily="34" charset="0"/>
               </a:rPr>
-              <a:t>Look to the</a:t>
-            </a:r>
-            <a:r>
-              <a:rPr lang="en-US" sz="1050" kern="0" dirty="0" smtClean="0">
-                <a:solidFill>
-                  <a:srgbClr val="FF0000"/>
-                </a:solidFill>
-                <a:latin typeface="Verdana" pitchFamily="34" charset="0"/>
-                <a:ea typeface="Verdana" pitchFamily="34" charset="0"/>
-                <a:cs typeface="Verdana" pitchFamily="34" charset="0"/>
-              </a:rPr>
-              <a:t> next slide as example what you can see</a:t>
+              <a:t>Look to the next slide as example what you can see</a:t>
             </a:r>
           </a:p>
           <a:p>
